--- a/画面構成.pptx
+++ b/画面構成.pptx
@@ -259,7 +259,7 @@
           <a:p>
             <a:fld id="{59A01017-3A27-314F-9086-3715A6F34374}" type="datetimeFigureOut">
               <a:rPr kumimoji="1" lang="ja-JP" altLang="en-US" smtClean="0"/>
-              <a:t>2021/4/7</a:t>
+              <a:t>2021/4/13</a:t>
             </a:fld>
             <a:endParaRPr kumimoji="1" lang="ja-JP" altLang="en-US"/>
           </a:p>
@@ -489,7 +489,7 @@
           <a:p>
             <a:fld id="{59A01017-3A27-314F-9086-3715A6F34374}" type="datetimeFigureOut">
               <a:rPr kumimoji="1" lang="ja-JP" altLang="en-US" smtClean="0"/>
-              <a:t>2021/4/7</a:t>
+              <a:t>2021/4/13</a:t>
             </a:fld>
             <a:endParaRPr kumimoji="1" lang="ja-JP" altLang="en-US"/>
           </a:p>
@@ -729,7 +729,7 @@
           <a:p>
             <a:fld id="{59A01017-3A27-314F-9086-3715A6F34374}" type="datetimeFigureOut">
               <a:rPr kumimoji="1" lang="ja-JP" altLang="en-US" smtClean="0"/>
-              <a:t>2021/4/7</a:t>
+              <a:t>2021/4/13</a:t>
             </a:fld>
             <a:endParaRPr kumimoji="1" lang="ja-JP" altLang="en-US"/>
           </a:p>
@@ -959,7 +959,7 @@
           <a:p>
             <a:fld id="{59A01017-3A27-314F-9086-3715A6F34374}" type="datetimeFigureOut">
               <a:rPr kumimoji="1" lang="ja-JP" altLang="en-US" smtClean="0"/>
-              <a:t>2021/4/7</a:t>
+              <a:t>2021/4/13</a:t>
             </a:fld>
             <a:endParaRPr kumimoji="1" lang="ja-JP" altLang="en-US"/>
           </a:p>
@@ -1234,7 +1234,7 @@
           <a:p>
             <a:fld id="{59A01017-3A27-314F-9086-3715A6F34374}" type="datetimeFigureOut">
               <a:rPr kumimoji="1" lang="ja-JP" altLang="en-US" smtClean="0"/>
-              <a:t>2021/4/7</a:t>
+              <a:t>2021/4/13</a:t>
             </a:fld>
             <a:endParaRPr kumimoji="1" lang="ja-JP" altLang="en-US"/>
           </a:p>
@@ -1563,7 +1563,7 @@
           <a:p>
             <a:fld id="{59A01017-3A27-314F-9086-3715A6F34374}" type="datetimeFigureOut">
               <a:rPr kumimoji="1" lang="ja-JP" altLang="en-US" smtClean="0"/>
-              <a:t>2021/4/7</a:t>
+              <a:t>2021/4/13</a:t>
             </a:fld>
             <a:endParaRPr kumimoji="1" lang="ja-JP" altLang="en-US"/>
           </a:p>
@@ -2039,7 +2039,7 @@
           <a:p>
             <a:fld id="{59A01017-3A27-314F-9086-3715A6F34374}" type="datetimeFigureOut">
               <a:rPr kumimoji="1" lang="ja-JP" altLang="en-US" smtClean="0"/>
-              <a:t>2021/4/7</a:t>
+              <a:t>2021/4/13</a:t>
             </a:fld>
             <a:endParaRPr kumimoji="1" lang="ja-JP" altLang="en-US"/>
           </a:p>
@@ -2180,7 +2180,7 @@
           <a:p>
             <a:fld id="{59A01017-3A27-314F-9086-3715A6F34374}" type="datetimeFigureOut">
               <a:rPr kumimoji="1" lang="ja-JP" altLang="en-US" smtClean="0"/>
-              <a:t>2021/4/7</a:t>
+              <a:t>2021/4/13</a:t>
             </a:fld>
             <a:endParaRPr kumimoji="1" lang="ja-JP" altLang="en-US"/>
           </a:p>
@@ -2293,7 +2293,7 @@
           <a:p>
             <a:fld id="{59A01017-3A27-314F-9086-3715A6F34374}" type="datetimeFigureOut">
               <a:rPr kumimoji="1" lang="ja-JP" altLang="en-US" smtClean="0"/>
-              <a:t>2021/4/7</a:t>
+              <a:t>2021/4/13</a:t>
             </a:fld>
             <a:endParaRPr kumimoji="1" lang="ja-JP" altLang="en-US"/>
           </a:p>
@@ -2636,7 +2636,7 @@
           <a:p>
             <a:fld id="{59A01017-3A27-314F-9086-3715A6F34374}" type="datetimeFigureOut">
               <a:rPr kumimoji="1" lang="ja-JP" altLang="en-US" smtClean="0"/>
-              <a:t>2021/4/7</a:t>
+              <a:t>2021/4/13</a:t>
             </a:fld>
             <a:endParaRPr kumimoji="1" lang="ja-JP" altLang="en-US"/>
           </a:p>
@@ -2924,7 +2924,7 @@
           <a:p>
             <a:fld id="{59A01017-3A27-314F-9086-3715A6F34374}" type="datetimeFigureOut">
               <a:rPr kumimoji="1" lang="ja-JP" altLang="en-US" smtClean="0"/>
-              <a:t>2021/4/7</a:t>
+              <a:t>2021/4/13</a:t>
             </a:fld>
             <a:endParaRPr kumimoji="1" lang="ja-JP" altLang="en-US"/>
           </a:p>
@@ -3197,7 +3197,7 @@
           <a:p>
             <a:fld id="{59A01017-3A27-314F-9086-3715A6F34374}" type="datetimeFigureOut">
               <a:rPr kumimoji="1" lang="ja-JP" altLang="en-US" smtClean="0"/>
-              <a:t>2021/4/7</a:t>
+              <a:t>2021/4/13</a:t>
             </a:fld>
             <a:endParaRPr kumimoji="1" lang="ja-JP" altLang="en-US"/>
           </a:p>
@@ -4276,7 +4276,7 @@
         </p:nvSpPr>
         <p:spPr>
           <a:xfrm rot="10800000">
-            <a:off x="4328529" y="3628018"/>
+            <a:off x="4488734" y="3654862"/>
             <a:ext cx="367988" cy="646770"/>
           </a:xfrm>
           <a:prstGeom prst="downArrow">
@@ -4371,7 +4371,7 @@
         </p:nvSpPr>
         <p:spPr>
           <a:xfrm>
-            <a:off x="4261622" y="4550781"/>
+            <a:off x="1807422" y="1201257"/>
             <a:ext cx="1494259" cy="568712"/>
           </a:xfrm>
           <a:prstGeom prst="rect">
@@ -4563,7 +4563,7 @@
         </p:nvSpPr>
         <p:spPr>
           <a:xfrm>
-            <a:off x="5223420" y="3609764"/>
+            <a:off x="4957083" y="3662918"/>
             <a:ext cx="367988" cy="646770"/>
           </a:xfrm>
           <a:prstGeom prst="downArrow">
@@ -4639,7 +4639,7 @@
             <a:pPr algn="ctr"/>
             <a:r>
               <a:rPr lang="ja-JP" altLang="en-US"/>
-              <a:t>ユーザー情報を登録</a:t>
+              <a:t>ユーザー情報を編集</a:t>
             </a:r>
             <a:endParaRPr kumimoji="1" lang="ja-JP" altLang="en-US"/>
           </a:p>
@@ -4661,6 +4661,197 @@
           <a:xfrm rot="18915043">
             <a:off x="3214910" y="3758585"/>
             <a:ext cx="1048215" cy="409363"/>
+          </a:xfrm>
+          <a:prstGeom prst="leftRightArrow">
+            <a:avLst/>
+          </a:prstGeom>
+        </p:spPr>
+        <p:style>
+          <a:lnRef idx="2">
+            <a:schemeClr val="accent1">
+              <a:shade val="50000"/>
+            </a:schemeClr>
+          </a:lnRef>
+          <a:fillRef idx="1">
+            <a:schemeClr val="accent1"/>
+          </a:fillRef>
+          <a:effectRef idx="0">
+            <a:schemeClr val="accent1"/>
+          </a:effectRef>
+          <a:fontRef idx="minor">
+            <a:schemeClr val="lt1"/>
+          </a:fontRef>
+        </p:style>
+        <p:txBody>
+          <a:bodyPr rtlCol="0" anchor="ctr"/>
+          <a:lstStyle/>
+          <a:p>
+            <a:pPr algn="ctr"/>
+            <a:endParaRPr kumimoji="1" lang="ja-JP" altLang="en-US"/>
+          </a:p>
+        </p:txBody>
+      </p:sp>
+      <p:sp>
+        <p:nvSpPr>
+          <p:cNvPr id="27" name="正方形/長方形 26">
+            <a:extLst>
+              <a:ext uri="{FF2B5EF4-FFF2-40B4-BE49-F238E27FC236}">
+                <a16:creationId xmlns:a16="http://schemas.microsoft.com/office/drawing/2014/main" id="{764FA25B-32B6-9D47-A056-2B8208EB8A08}"/>
+              </a:ext>
+            </a:extLst>
+          </p:cNvPr>
+          <p:cNvSpPr/>
+          <p:nvPr/>
+        </p:nvSpPr>
+        <p:spPr>
+          <a:xfrm>
+            <a:off x="4269426" y="4589682"/>
+            <a:ext cx="1375314" cy="568712"/>
+          </a:xfrm>
+          <a:prstGeom prst="rect">
+            <a:avLst/>
+          </a:prstGeom>
+        </p:spPr>
+        <p:style>
+          <a:lnRef idx="2">
+            <a:schemeClr val="accent1">
+              <a:shade val="50000"/>
+            </a:schemeClr>
+          </a:lnRef>
+          <a:fillRef idx="1">
+            <a:schemeClr val="accent1"/>
+          </a:fillRef>
+          <a:effectRef idx="0">
+            <a:schemeClr val="accent1"/>
+          </a:effectRef>
+          <a:fontRef idx="minor">
+            <a:schemeClr val="lt1"/>
+          </a:fontRef>
+        </p:style>
+        <p:txBody>
+          <a:bodyPr rtlCol="0" anchor="ctr"/>
+          <a:lstStyle/>
+          <a:p>
+            <a:pPr algn="ctr"/>
+            <a:r>
+              <a:rPr kumimoji="1" lang="ja-JP" altLang="en-US"/>
+              <a:t>退会</a:t>
+            </a:r>
+          </a:p>
+        </p:txBody>
+      </p:sp>
+      <p:sp>
+        <p:nvSpPr>
+          <p:cNvPr id="29" name="左右矢印 28">
+            <a:extLst>
+              <a:ext uri="{FF2B5EF4-FFF2-40B4-BE49-F238E27FC236}">
+                <a16:creationId xmlns:a16="http://schemas.microsoft.com/office/drawing/2014/main" id="{03EC3686-54F8-F445-9E66-AE5CE8E78E2E}"/>
+              </a:ext>
+            </a:extLst>
+          </p:cNvPr>
+          <p:cNvSpPr/>
+          <p:nvPr/>
+        </p:nvSpPr>
+        <p:spPr>
+          <a:xfrm rot="13422282">
+            <a:off x="3225012" y="2009877"/>
+            <a:ext cx="1048215" cy="409363"/>
+          </a:xfrm>
+          <a:prstGeom prst="leftRightArrow">
+            <a:avLst/>
+          </a:prstGeom>
+        </p:spPr>
+        <p:style>
+          <a:lnRef idx="2">
+            <a:schemeClr val="accent1">
+              <a:shade val="50000"/>
+            </a:schemeClr>
+          </a:lnRef>
+          <a:fillRef idx="1">
+            <a:schemeClr val="accent1"/>
+          </a:fillRef>
+          <a:effectRef idx="0">
+            <a:schemeClr val="accent1"/>
+          </a:effectRef>
+          <a:fontRef idx="minor">
+            <a:schemeClr val="lt1"/>
+          </a:fontRef>
+        </p:style>
+        <p:txBody>
+          <a:bodyPr rtlCol="0" anchor="ctr"/>
+          <a:lstStyle/>
+          <a:p>
+            <a:pPr algn="ctr"/>
+            <a:endParaRPr kumimoji="1" lang="ja-JP" altLang="en-US"/>
+          </a:p>
+        </p:txBody>
+      </p:sp>
+      <p:sp>
+        <p:nvSpPr>
+          <p:cNvPr id="31" name="正方形/長方形 30">
+            <a:extLst>
+              <a:ext uri="{FF2B5EF4-FFF2-40B4-BE49-F238E27FC236}">
+                <a16:creationId xmlns:a16="http://schemas.microsoft.com/office/drawing/2014/main" id="{91290A3E-4BFE-6749-B0E7-D6DE37BC4D3B}"/>
+              </a:ext>
+            </a:extLst>
+          </p:cNvPr>
+          <p:cNvSpPr/>
+          <p:nvPr/>
+        </p:nvSpPr>
+        <p:spPr>
+          <a:xfrm>
+            <a:off x="6109666" y="4363976"/>
+            <a:ext cx="1375314" cy="568712"/>
+          </a:xfrm>
+          <a:prstGeom prst="rect">
+            <a:avLst/>
+          </a:prstGeom>
+        </p:spPr>
+        <p:style>
+          <a:lnRef idx="2">
+            <a:schemeClr val="accent1">
+              <a:shade val="50000"/>
+            </a:schemeClr>
+          </a:lnRef>
+          <a:fillRef idx="1">
+            <a:schemeClr val="accent1"/>
+          </a:fillRef>
+          <a:effectRef idx="0">
+            <a:schemeClr val="accent1"/>
+          </a:effectRef>
+          <a:fontRef idx="minor">
+            <a:schemeClr val="lt1"/>
+          </a:fontRef>
+        </p:style>
+        <p:txBody>
+          <a:bodyPr rtlCol="0" anchor="ctr"/>
+          <a:lstStyle/>
+          <a:p>
+            <a:pPr algn="ctr"/>
+            <a:r>
+              <a:rPr lang="ja-JP" altLang="en-US"/>
+              <a:t>ログアウト</a:t>
+            </a:r>
+            <a:endParaRPr kumimoji="1" lang="ja-JP" altLang="en-US"/>
+          </a:p>
+        </p:txBody>
+      </p:sp>
+      <p:sp>
+        <p:nvSpPr>
+          <p:cNvPr id="32" name="左右矢印 31">
+            <a:extLst>
+              <a:ext uri="{FF2B5EF4-FFF2-40B4-BE49-F238E27FC236}">
+                <a16:creationId xmlns:a16="http://schemas.microsoft.com/office/drawing/2014/main" id="{5B267C80-EE06-B14A-B66D-282646F5BFD0}"/>
+              </a:ext>
+            </a:extLst>
+          </p:cNvPr>
+          <p:cNvSpPr/>
+          <p:nvPr/>
+        </p:nvSpPr>
+        <p:spPr>
+          <a:xfrm rot="3236777">
+            <a:off x="5558486" y="3588669"/>
+            <a:ext cx="968818" cy="409363"/>
           </a:xfrm>
           <a:prstGeom prst="leftRightArrow">
             <a:avLst/>
